--- a/Sentinels.pptx
+++ b/Sentinels.pptx
@@ -2971,6 +2971,30 @@
           <a:chExt cx="0" cy="0"/>
         </a:xfrm>
       </p:grpSpPr>
+      <p:pic>
+        <p:nvPicPr>
+          <p:cNvPr id="4" name="Kuva 3"/>
+          <p:cNvPicPr>
+            <a:picLocks noChangeAspect="1"/>
+          </p:cNvPicPr>
+          <p:nvPr/>
+        </p:nvPicPr>
+        <p:blipFill>
+          <a:blip r:embed="rId2"/>
+          <a:stretch>
+            <a:fillRect/>
+          </a:stretch>
+        </p:blipFill>
+        <p:spPr>
+          <a:xfrm>
+            <a:off x="2732722" y="3653038"/>
+            <a:ext cx="6410325" cy="2809875"/>
+          </a:xfrm>
+          <a:prstGeom prst="rect">
+            <a:avLst/>
+          </a:prstGeom>
+        </p:spPr>
+      </p:pic>
       <p:sp>
         <p:nvSpPr>
           <p:cNvPr id="16" name="Suorakulmio 15"/>
@@ -3077,7 +3101,7 @@
           </p:nvPr>
         </p:nvPicPr>
         <p:blipFill rotWithShape="1">
-          <a:blip r:embed="rId2" cstate="print">
+          <a:blip r:embed="rId3" cstate="print">
             <a:extLst>
               <a:ext uri="{28A0092B-C50C-407E-A947-70E740481C1C}">
                 <a14:useLocalDpi xmlns:a14="http://schemas.microsoft.com/office/drawing/2010/main" val="0"/>
@@ -3118,67 +3142,13 @@
           <a:p>
             <a:pPr algn="ctr"/>
             <a:r>
-              <a:rPr lang="fi-FI" sz="2800" dirty="0" smtClean="0">
+              <a:rPr lang="fi-FI" sz="2800" dirty="0">
                 <a:solidFill>
                   <a:schemeClr val="bg1"/>
                 </a:solidFill>
                 <a:latin typeface="Century" panose="02040604050505020304" pitchFamily="18" charset="0"/>
               </a:rPr>
-              <a:t>Olet sotilasorganisaation komentaja sulkeutuneessa </a:t>
-            </a:r>
-            <a:r>
-              <a:rPr lang="fi-FI" sz="2800" dirty="0" smtClean="0">
-                <a:solidFill>
-                  <a:schemeClr val="bg1"/>
-                </a:solidFill>
-                <a:latin typeface="Century" panose="02040604050505020304" pitchFamily="18" charset="0"/>
-              </a:rPr>
-              <a:t>valtakunnassa </a:t>
-            </a:r>
-            <a:r>
-              <a:rPr lang="fi-FI" sz="2800" dirty="0" smtClean="0">
-                <a:solidFill>
-                  <a:schemeClr val="bg1"/>
-                </a:solidFill>
-                <a:latin typeface="Century" panose="02040604050505020304" pitchFamily="18" charset="0"/>
-              </a:rPr>
-              <a:t>ja </a:t>
-            </a:r>
-            <a:r>
-              <a:rPr lang="fi-FI" sz="2800" dirty="0" smtClean="0">
-                <a:solidFill>
-                  <a:schemeClr val="bg1"/>
-                </a:solidFill>
-                <a:latin typeface="Century" panose="02040604050505020304" pitchFamily="18" charset="0"/>
-              </a:rPr>
-              <a:t>selvität ympäröivän maailman tapahtumia lähettämällä </a:t>
-            </a:r>
-            <a:r>
-              <a:rPr lang="fi-FI" sz="2800" dirty="0" smtClean="0">
-                <a:solidFill>
-                  <a:schemeClr val="bg1"/>
-                </a:solidFill>
-                <a:latin typeface="Century" panose="02040604050505020304" pitchFamily="18" charset="0"/>
-              </a:rPr>
-              <a:t>joukkoja tutkimusretkille ja tutkimalla matkaraportteja ja </a:t>
-            </a:r>
-            <a:r>
-              <a:rPr lang="fi-FI" sz="2800" dirty="0" err="1" smtClean="0">
-                <a:solidFill>
-                  <a:schemeClr val="bg1"/>
-                </a:solidFill>
-                <a:latin typeface="Century" panose="02040604050505020304" pitchFamily="18" charset="0"/>
-              </a:rPr>
-              <a:t>artifakteja</a:t>
-            </a:r>
-            <a:r>
-              <a:rPr lang="fi-FI" sz="2800" dirty="0" smtClean="0">
-                <a:solidFill>
-                  <a:schemeClr val="bg1"/>
-                </a:solidFill>
-                <a:latin typeface="Century" panose="02040604050505020304" pitchFamily="18" charset="0"/>
-              </a:rPr>
-              <a:t>.</a:t>
+              <a:t>Olet sotilasorganisaation komentaja. Tehtävänäsi on selvittää ja torjua kotivaltakuntaasi uhkaavat voimat. Tee päätöksiä lähettämiesi joukkojen raporttien ja löydösten perusteella!</a:t>
             </a:r>
             <a:endParaRPr lang="fi-FI" sz="2800" dirty="0">
               <a:solidFill>
@@ -3197,7 +3167,7 @@
         </p:nvSpPr>
         <p:spPr>
           <a:xfrm>
-            <a:off x="250853" y="3607954"/>
+            <a:off x="250853" y="3955824"/>
             <a:ext cx="3877985" cy="461665"/>
           </a:xfrm>
           <a:prstGeom prst="rect">
@@ -3299,30 +3269,6 @@
           </a:p>
         </p:txBody>
       </p:sp>
-      <p:pic>
-        <p:nvPicPr>
-          <p:cNvPr id="6" name="Kuva 5"/>
-          <p:cNvPicPr>
-            <a:picLocks noChangeAspect="1"/>
-          </p:cNvPicPr>
-          <p:nvPr/>
-        </p:nvPicPr>
-        <p:blipFill>
-          <a:blip r:embed="rId3"/>
-          <a:stretch>
-            <a:fillRect/>
-          </a:stretch>
-        </p:blipFill>
-        <p:spPr>
-          <a:xfrm>
-            <a:off x="2543796" y="4224252"/>
-            <a:ext cx="6448425" cy="2276475"/>
-          </a:xfrm>
-          <a:prstGeom prst="rect">
-            <a:avLst/>
-          </a:prstGeom>
-        </p:spPr>
-      </p:pic>
     </p:spTree>
     <p:extLst>
       <p:ext uri="{BB962C8B-B14F-4D97-AF65-F5344CB8AC3E}">
@@ -3642,10 +3588,10 @@
                 </a:solidFill>
                 <a:latin typeface="Century" panose="02040604050505020304" pitchFamily="18" charset="0"/>
               </a:rPr>
-              <a:t>Visuaalinen ja </a:t>
-            </a:r>
-            <a:r>
-              <a:rPr lang="fi-FI" sz="1600" dirty="0" smtClean="0">
+              <a:t>Visuaalinen ja temaattinen: </a:t>
+            </a:r>
+            <a:r>
+              <a:rPr lang="fi-FI" sz="1600" dirty="0" err="1" smtClean="0">
                 <a:solidFill>
                   <a:schemeClr val="accent4">
                     <a:lumMod val="20000"/>
@@ -3654,10 +3600,10 @@
                 </a:solidFill>
                 <a:latin typeface="Century" panose="02040604050505020304" pitchFamily="18" charset="0"/>
               </a:rPr>
-              <a:t>temaattinen: </a:t>
-            </a:r>
-            <a:r>
-              <a:rPr lang="fi-FI" sz="1600" dirty="0" err="1" smtClean="0">
+              <a:t>GoT</a:t>
+            </a:r>
+            <a:r>
+              <a:rPr lang="fi-FI" sz="1600" dirty="0" smtClean="0">
                 <a:solidFill>
                   <a:schemeClr val="accent4">
                     <a:lumMod val="20000"/>
@@ -3666,10 +3612,10 @@
                 </a:solidFill>
                 <a:latin typeface="Century" panose="02040604050505020304" pitchFamily="18" charset="0"/>
               </a:rPr>
-              <a:t>GoT</a:t>
-            </a:r>
-            <a:r>
-              <a:rPr lang="fi-FI" sz="1600" dirty="0" smtClean="0">
+              <a:t>: </a:t>
+            </a:r>
+            <a:r>
+              <a:rPr lang="fi-FI" sz="1600" dirty="0" err="1" smtClean="0">
                 <a:solidFill>
                   <a:schemeClr val="accent4">
                     <a:lumMod val="20000"/>
@@ -3678,10 +3624,10 @@
                 </a:solidFill>
                 <a:latin typeface="Century" panose="02040604050505020304" pitchFamily="18" charset="0"/>
               </a:rPr>
-              <a:t>: </a:t>
-            </a:r>
-            <a:r>
-              <a:rPr lang="fi-FI" sz="1600" dirty="0" err="1" smtClean="0">
+              <a:t>Night’s</a:t>
+            </a:r>
+            <a:r>
+              <a:rPr lang="fi-FI" sz="1600" dirty="0" smtClean="0">
                 <a:solidFill>
                   <a:schemeClr val="accent4">
                     <a:lumMod val="20000"/>
@@ -3690,55 +3636,7 @@
                 </a:solidFill>
                 <a:latin typeface="Century" panose="02040604050505020304" pitchFamily="18" charset="0"/>
               </a:rPr>
-              <a:t>Night’s</a:t>
-            </a:r>
-            <a:r>
-              <a:rPr lang="fi-FI" sz="1600" dirty="0" smtClean="0">
-                <a:solidFill>
-                  <a:schemeClr val="accent4">
-                    <a:lumMod val="20000"/>
-                    <a:lumOff val="80000"/>
-                  </a:schemeClr>
-                </a:solidFill>
-                <a:latin typeface="Century" panose="02040604050505020304" pitchFamily="18" charset="0"/>
-              </a:rPr>
-              <a:t> </a:t>
-            </a:r>
-            <a:r>
-              <a:rPr lang="fi-FI" sz="1600" dirty="0" smtClean="0">
-                <a:solidFill>
-                  <a:schemeClr val="accent4">
-                    <a:lumMod val="20000"/>
-                    <a:lumOff val="80000"/>
-                  </a:schemeClr>
-                </a:solidFill>
-                <a:latin typeface="Century" panose="02040604050505020304" pitchFamily="18" charset="0"/>
-              </a:rPr>
-              <a:t>Watch, Attack </a:t>
-            </a:r>
-            <a:r>
-              <a:rPr lang="fi-FI" sz="1600" dirty="0" smtClean="0">
-                <a:solidFill>
-                  <a:schemeClr val="accent4">
-                    <a:lumMod val="20000"/>
-                    <a:lumOff val="80000"/>
-                  </a:schemeClr>
-                </a:solidFill>
-                <a:latin typeface="Century" panose="02040604050505020304" pitchFamily="18" charset="0"/>
-              </a:rPr>
-              <a:t>on </a:t>
-            </a:r>
-            <a:r>
-              <a:rPr lang="fi-FI" sz="1600" dirty="0" smtClean="0">
-                <a:solidFill>
-                  <a:schemeClr val="accent4">
-                    <a:lumMod val="20000"/>
-                    <a:lumOff val="80000"/>
-                  </a:schemeClr>
-                </a:solidFill>
-                <a:latin typeface="Century" panose="02040604050505020304" pitchFamily="18" charset="0"/>
-              </a:rPr>
-              <a:t>Titan, </a:t>
+              <a:t> Watch, Attack on Titan, </a:t>
             </a:r>
             <a:r>
               <a:rPr lang="fi-FI" sz="1600" dirty="0" err="1" smtClean="0">
@@ -4009,19 +3907,7 @@
                 </a:solidFill>
                 <a:latin typeface="Century" panose="02040604050505020304" pitchFamily="18" charset="0"/>
               </a:rPr>
-              <a:t>: Kertamaksu</a:t>
-            </a:r>
-            <a:r>
-              <a:rPr lang="fi-FI" dirty="0" smtClean="0">
-                <a:solidFill>
-                  <a:schemeClr val="accent4">
-                    <a:lumMod val="20000"/>
-                    <a:lumOff val="80000"/>
-                  </a:schemeClr>
-                </a:solidFill>
-                <a:latin typeface="Century" panose="02040604050505020304" pitchFamily="18" charset="0"/>
-              </a:rPr>
-              <a:t>(+DLC?)</a:t>
+              <a:t>: Kertamaksu(+DLC?)</a:t>
             </a:r>
             <a:endParaRPr lang="fi-FI" dirty="0">
               <a:solidFill>
@@ -4396,17 +4282,6 @@
           </a:p>
           <a:p>
             <a:pPr algn="r"/>
-            <a:r>
-              <a:rPr lang="fi-FI" sz="1600" dirty="0" smtClean="0">
-                <a:solidFill>
-                  <a:schemeClr val="accent4">
-                    <a:lumMod val="50000"/>
-                  </a:schemeClr>
-                </a:solidFill>
-                <a:latin typeface="Century" panose="02040604050505020304" pitchFamily="18" charset="0"/>
-              </a:rPr>
-              <a:t>-</a:t>
-            </a:r>
             <a:r>
               <a:rPr lang="fi-FI" sz="1600" dirty="0" err="1" smtClean="0">
                 <a:solidFill>
@@ -4872,18 +4747,7 @@
                 </a:solidFill>
                 <a:latin typeface="Century" panose="02040604050505020304" pitchFamily="18" charset="0"/>
               </a:rPr>
-              <a:t>Pelimaailma ja sen uhat on </a:t>
-            </a:r>
-            <a:r>
-              <a:rPr lang="fi-FI" sz="1600" dirty="0" smtClean="0">
-                <a:solidFill>
-                  <a:schemeClr val="accent4">
-                    <a:lumMod val="75000"/>
-                  </a:schemeClr>
-                </a:solidFill>
-                <a:latin typeface="Century" panose="02040604050505020304" pitchFamily="18" charset="0"/>
-              </a:rPr>
-              <a:t>satunnaisgeneroitu: </a:t>
+              <a:t>Pelimaailma ja sen uhat on satunnaisgeneroitu: </a:t>
             </a:r>
           </a:p>
           <a:p>
@@ -4996,49 +4860,8 @@
                 </a:solidFill>
                 <a:latin typeface="Century" panose="02040604050505020304" pitchFamily="18" charset="0"/>
               </a:rPr>
-              <a:t>Pelihahmo </a:t>
-            </a:r>
-            <a:r>
-              <a:rPr lang="fi-FI" sz="1600" dirty="0" smtClean="0">
-                <a:solidFill>
-                  <a:schemeClr val="accent4">
-                    <a:lumMod val="75000"/>
-                  </a:schemeClr>
-                </a:solidFill>
-                <a:latin typeface="Century" panose="02040604050505020304" pitchFamily="18" charset="0"/>
-              </a:rPr>
-              <a:t>ohjailee </a:t>
-            </a:r>
-            <a:r>
-              <a:rPr lang="fi-FI" sz="1600" dirty="0" smtClean="0">
-                <a:solidFill>
-                  <a:schemeClr val="accent4">
-                    <a:lumMod val="75000"/>
-                  </a:schemeClr>
-                </a:solidFill>
-                <a:latin typeface="Century" panose="02040604050505020304" pitchFamily="18" charset="0"/>
-              </a:rPr>
-              <a:t>joukkojaan ja tutkii maailmaa matkaraporttien ja mukana tulleiden esineiden </a:t>
-            </a:r>
-            <a:r>
-              <a:rPr lang="fi-FI" sz="1600" dirty="0" smtClean="0">
-                <a:solidFill>
-                  <a:schemeClr val="accent4">
-                    <a:lumMod val="75000"/>
-                  </a:schemeClr>
-                </a:solidFill>
-                <a:latin typeface="Century" panose="02040604050505020304" pitchFamily="18" charset="0"/>
-              </a:rPr>
-              <a:t>muodossa komentopaikalta käsin.</a:t>
-            </a:r>
-            <a:endParaRPr lang="fi-FI" sz="1600" dirty="0" smtClean="0">
-              <a:solidFill>
-                <a:schemeClr val="accent4">
-                  <a:lumMod val="75000"/>
-                </a:schemeClr>
-              </a:solidFill>
-              <a:latin typeface="Century" panose="02040604050505020304" pitchFamily="18" charset="0"/>
-            </a:endParaRPr>
+              <a:t>Pelihahmo ohjailee joukkojaan ja tutkii maailmaa matkaraporttien ja mukana tulleiden esineiden muodossa komentopaikalta käsin.</a:t>
+            </a:r>
           </a:p>
           <a:p>
             <a:endParaRPr lang="fi-FI" sz="1600" dirty="0" smtClean="0">
